--- a/janken/janken.pptx
+++ b/janken/janken.pptx
@@ -252,7 +252,7 @@
           <a:p>
             <a:fld id="{33C6EE2F-3012-4A96-8D67-173840980869}" type="datetimeFigureOut">
               <a:rPr kumimoji="1" lang="ja-JP" altLang="en-US" smtClean="0"/>
-              <a:t>2018/7/29</a:t>
+              <a:t>2018/7/30</a:t>
             </a:fld>
             <a:endParaRPr kumimoji="1" lang="ja-JP" altLang="en-US" dirty="0"/>
           </a:p>
@@ -539,7 +539,7 @@
           <a:p>
             <a:fld id="{33C6EE2F-3012-4A96-8D67-173840980869}" type="datetimeFigureOut">
               <a:rPr kumimoji="1" lang="ja-JP" altLang="en-US" smtClean="0"/>
-              <a:t>2018/7/29</a:t>
+              <a:t>2018/7/30</a:t>
             </a:fld>
             <a:endParaRPr kumimoji="1" lang="ja-JP" altLang="en-US" dirty="0"/>
           </a:p>
@@ -731,7 +731,7 @@
           <a:p>
             <a:fld id="{33C6EE2F-3012-4A96-8D67-173840980869}" type="datetimeFigureOut">
               <a:rPr kumimoji="1" lang="ja-JP" altLang="en-US" smtClean="0"/>
-              <a:t>2018/7/29</a:t>
+              <a:t>2018/7/30</a:t>
             </a:fld>
             <a:endParaRPr kumimoji="1" lang="ja-JP" altLang="en-US" dirty="0"/>
           </a:p>
@@ -992,7 +992,7 @@
           <a:p>
             <a:fld id="{33C6EE2F-3012-4A96-8D67-173840980869}" type="datetimeFigureOut">
               <a:rPr kumimoji="1" lang="ja-JP" altLang="en-US" smtClean="0"/>
-              <a:t>2018/7/29</a:t>
+              <a:t>2018/7/30</a:t>
             </a:fld>
             <a:endParaRPr kumimoji="1" lang="ja-JP" altLang="en-US" dirty="0"/>
           </a:p>
@@ -1416,7 +1416,7 @@
           <a:p>
             <a:fld id="{33C6EE2F-3012-4A96-8D67-173840980869}" type="datetimeFigureOut">
               <a:rPr kumimoji="1" lang="ja-JP" altLang="en-US" smtClean="0"/>
-              <a:t>2018/7/29</a:t>
+              <a:t>2018/7/30</a:t>
             </a:fld>
             <a:endParaRPr kumimoji="1" lang="ja-JP" altLang="en-US" dirty="0"/>
           </a:p>
@@ -1962,7 +1962,7 @@
           <a:p>
             <a:fld id="{33C6EE2F-3012-4A96-8D67-173840980869}" type="datetimeFigureOut">
               <a:rPr kumimoji="1" lang="ja-JP" altLang="en-US" smtClean="0"/>
-              <a:t>2018/7/29</a:t>
+              <a:t>2018/7/30</a:t>
             </a:fld>
             <a:endParaRPr kumimoji="1" lang="ja-JP" altLang="en-US" dirty="0"/>
           </a:p>
@@ -2802,7 +2802,7 @@
           <a:p>
             <a:fld id="{33C6EE2F-3012-4A96-8D67-173840980869}" type="datetimeFigureOut">
               <a:rPr kumimoji="1" lang="ja-JP" altLang="en-US" smtClean="0"/>
-              <a:t>2018/7/29</a:t>
+              <a:t>2018/7/30</a:t>
             </a:fld>
             <a:endParaRPr kumimoji="1" lang="ja-JP" altLang="en-US" dirty="0"/>
           </a:p>
@@ -3004,7 +3004,7 @@
           <a:p>
             <a:fld id="{33C6EE2F-3012-4A96-8D67-173840980869}" type="datetimeFigureOut">
               <a:rPr kumimoji="1" lang="ja-JP" altLang="en-US" smtClean="0"/>
-              <a:t>2018/7/29</a:t>
+              <a:t>2018/7/30</a:t>
             </a:fld>
             <a:endParaRPr kumimoji="1" lang="ja-JP" altLang="en-US" dirty="0"/>
           </a:p>
@@ -3220,7 +3220,7 @@
           <a:p>
             <a:fld id="{33C6EE2F-3012-4A96-8D67-173840980869}" type="datetimeFigureOut">
               <a:rPr kumimoji="1" lang="ja-JP" altLang="en-US" smtClean="0"/>
-              <a:t>2018/7/29</a:t>
+              <a:t>2018/7/30</a:t>
             </a:fld>
             <a:endParaRPr kumimoji="1" lang="ja-JP" altLang="en-US" dirty="0"/>
           </a:p>
@@ -3422,7 +3422,7 @@
           <a:p>
             <a:fld id="{33C6EE2F-3012-4A96-8D67-173840980869}" type="datetimeFigureOut">
               <a:rPr kumimoji="1" lang="ja-JP" altLang="en-US" smtClean="0"/>
-              <a:t>2018/7/29</a:t>
+              <a:t>2018/7/30</a:t>
             </a:fld>
             <a:endParaRPr kumimoji="1" lang="ja-JP" altLang="en-US" dirty="0"/>
           </a:p>
@@ -3670,7 +3670,7 @@
           <a:p>
             <a:fld id="{33C6EE2F-3012-4A96-8D67-173840980869}" type="datetimeFigureOut">
               <a:rPr kumimoji="1" lang="ja-JP" altLang="en-US" smtClean="0"/>
-              <a:t>2018/7/29</a:t>
+              <a:t>2018/7/30</a:t>
             </a:fld>
             <a:endParaRPr kumimoji="1" lang="ja-JP" altLang="en-US" dirty="0"/>
           </a:p>
@@ -3971,7 +3971,7 @@
           <a:p>
             <a:fld id="{33C6EE2F-3012-4A96-8D67-173840980869}" type="datetimeFigureOut">
               <a:rPr kumimoji="1" lang="ja-JP" altLang="en-US" smtClean="0"/>
-              <a:t>2018/7/29</a:t>
+              <a:t>2018/7/30</a:t>
             </a:fld>
             <a:endParaRPr kumimoji="1" lang="ja-JP" altLang="en-US" dirty="0"/>
           </a:p>
@@ -4408,7 +4408,7 @@
           <a:p>
             <a:fld id="{33C6EE2F-3012-4A96-8D67-173840980869}" type="datetimeFigureOut">
               <a:rPr kumimoji="1" lang="ja-JP" altLang="en-US" smtClean="0"/>
-              <a:t>2018/7/29</a:t>
+              <a:t>2018/7/30</a:t>
             </a:fld>
             <a:endParaRPr kumimoji="1" lang="ja-JP" altLang="en-US" dirty="0"/>
           </a:p>
@@ -4526,7 +4526,7 @@
           <a:p>
             <a:fld id="{33C6EE2F-3012-4A96-8D67-173840980869}" type="datetimeFigureOut">
               <a:rPr kumimoji="1" lang="ja-JP" altLang="en-US" smtClean="0"/>
-              <a:t>2018/7/29</a:t>
+              <a:t>2018/7/30</a:t>
             </a:fld>
             <a:endParaRPr kumimoji="1" lang="ja-JP" altLang="en-US" dirty="0"/>
           </a:p>
@@ -4621,7 +4621,7 @@
           <a:p>
             <a:fld id="{33C6EE2F-3012-4A96-8D67-173840980869}" type="datetimeFigureOut">
               <a:rPr kumimoji="1" lang="ja-JP" altLang="en-US" smtClean="0"/>
-              <a:t>2018/7/29</a:t>
+              <a:t>2018/7/30</a:t>
             </a:fld>
             <a:endParaRPr kumimoji="1" lang="ja-JP" altLang="en-US" dirty="0"/>
           </a:p>
@@ -4904,7 +4904,7 @@
           <a:p>
             <a:fld id="{33C6EE2F-3012-4A96-8D67-173840980869}" type="datetimeFigureOut">
               <a:rPr kumimoji="1" lang="ja-JP" altLang="en-US" smtClean="0"/>
-              <a:t>2018/7/29</a:t>
+              <a:t>2018/7/30</a:t>
             </a:fld>
             <a:endParaRPr kumimoji="1" lang="ja-JP" altLang="en-US" dirty="0"/>
           </a:p>
@@ -5191,7 +5191,7 @@
           <a:p>
             <a:fld id="{33C6EE2F-3012-4A96-8D67-173840980869}" type="datetimeFigureOut">
               <a:rPr kumimoji="1" lang="ja-JP" altLang="en-US" smtClean="0"/>
-              <a:t>2018/7/29</a:t>
+              <a:t>2018/7/30</a:t>
             </a:fld>
             <a:endParaRPr kumimoji="1" lang="ja-JP" altLang="en-US" dirty="0"/>
           </a:p>
@@ -5436,7 +5436,7 @@
           <a:p>
             <a:fld id="{33C6EE2F-3012-4A96-8D67-173840980869}" type="datetimeFigureOut">
               <a:rPr kumimoji="1" lang="ja-JP" altLang="en-US" smtClean="0"/>
-              <a:t>2018/7/29</a:t>
+              <a:t>2018/7/30</a:t>
             </a:fld>
             <a:endParaRPr kumimoji="1" lang="ja-JP" altLang="en-US" dirty="0"/>
           </a:p>
@@ -6352,8 +6352,17 @@
           </a:p>
           <a:p>
             <a:r>
+              <a:rPr lang="en-US" altLang="ja-JP" sz="2800" dirty="0">
+                <a:hlinkClick r:id="rId2"/>
+              </a:rPr>
+              <a:t>http://www.shurey.com/js/craft/janken/index.html</a:t>
+            </a:r>
+            <a:endParaRPr lang="en-US" altLang="ja-JP" sz="2800" dirty="0"/>
+          </a:p>
+          <a:p>
+            <a:r>
               <a:rPr lang="en-US" altLang="ja-JP" sz="2800" dirty="0"/>
-              <a:t>http://www.shurey.com/js/craft/janken/index.html</a:t>
+              <a:t>http://j-press.info/16torgba/</a:t>
             </a:r>
             <a:endParaRPr kumimoji="1" lang="ja-JP" altLang="en-US" sz="2800" dirty="0"/>
           </a:p>
@@ -6809,7 +6818,7 @@
             </a:r>
             <a:r>
               <a:rPr kumimoji="1" lang="ja-JP" altLang="en-US" sz="3200" dirty="0"/>
-              <a:t>を見ながら進めていく形で自分のペースで進めることができたが、英語のサイトで会ったので読み解くのは少し苦労しました。</a:t>
+              <a:t>を見ながら進めていく形で自分のペースで進めることができましたが、英語のサイトであったので読み解くのは少し苦労しました。</a:t>
             </a:r>
             <a:endParaRPr lang="en-US" altLang="ja-JP" sz="3200" dirty="0"/>
           </a:p>
@@ -6824,7 +6833,7 @@
             </a:r>
             <a:r>
               <a:rPr lang="ja-JP" altLang="en-US" sz="3200" dirty="0"/>
-              <a:t>アプリケーションになると思いました</a:t>
+              <a:t>アプリケーションになると思いました。</a:t>
             </a:r>
             <a:endParaRPr kumimoji="1" lang="en-US" altLang="ja-JP" sz="3200" dirty="0"/>
           </a:p>
